--- a/Week 6/06 - Procedures.pptx
+++ b/Week 6/06 - Procedures.pptx
@@ -5,18 +5,22 @@
     <p:sldMasterId id="2147483648" r:id="rId1"/>
   </p:sldMasterIdLst>
   <p:notesMasterIdLst>
-    <p:notesMasterId r:id="rId3"/>
+    <p:notesMasterId r:id="rId7"/>
   </p:notesMasterIdLst>
   <p:handoutMasterIdLst>
-    <p:handoutMasterId r:id="rId4"/>
+    <p:handoutMasterId r:id="rId8"/>
   </p:handoutMasterIdLst>
   <p:sldIdLst>
     <p:sldId id="265" r:id="rId2"/>
+    <p:sldId id="266" r:id="rId3"/>
+    <p:sldId id="267" r:id="rId4"/>
+    <p:sldId id="268" r:id="rId5"/>
+    <p:sldId id="269" r:id="rId6"/>
   </p:sldIdLst>
   <p:sldSz cx="12188825" cy="6858000"/>
   <p:notesSz cx="6858000" cy="9144000"/>
   <p:custDataLst>
-    <p:tags r:id="rId5"/>
+    <p:tags r:id="rId9"/>
   </p:custDataLst>
   <p:defaultTextStyle>
     <a:defPPr>
@@ -221,7 +225,7 @@
           <a:p>
             <a:fld id="{59088EAF-6ECA-4616-85EF-35AA19C641F3}" type="datetimeFigureOut">
               <a:rPr lang="en-US"/>
-              <a:t>3/14/2018</a:t>
+              <a:t>3/18/2018</a:t>
             </a:fld>
             <a:endParaRPr/>
           </a:p>
@@ -386,7 +390,7 @@
           <a:p>
             <a:fld id="{3ABD2D7A-D230-4F91-BD59-0A39C2703BA8}" type="datetimeFigureOut">
               <a:rPr lang="en-US"/>
-              <a:t>3/14/2018</a:t>
+              <a:t>3/18/2018</a:t>
             </a:fld>
             <a:endParaRPr/>
           </a:p>
@@ -995,7 +999,7 @@
           <a:p>
             <a:fld id="{03F41C87-7AD9-4845-A077-840E4A0F3F06}" type="datetimeFigureOut">
               <a:rPr lang="en-US"/>
-              <a:t>3/14/2018</a:t>
+              <a:t>3/18/2018</a:t>
             </a:fld>
             <a:endParaRPr/>
           </a:p>
@@ -1187,7 +1191,7 @@
           <a:p>
             <a:fld id="{03F41C87-7AD9-4845-A077-840E4A0F3F06}" type="datetimeFigureOut">
               <a:rPr lang="en-US"/>
-              <a:t>3/14/2018</a:t>
+              <a:t>3/18/2018</a:t>
             </a:fld>
             <a:endParaRPr/>
           </a:p>
@@ -1376,7 +1380,7 @@
           <a:p>
             <a:fld id="{03F41C87-7AD9-4845-A077-840E4A0F3F06}" type="datetimeFigureOut">
               <a:rPr lang="en-US"/>
-              <a:t>3/14/2018</a:t>
+              <a:t>3/18/2018</a:t>
             </a:fld>
             <a:endParaRPr/>
           </a:p>
@@ -1656,7 +1660,7 @@
           <a:p>
             <a:fld id="{03F41C87-7AD9-4845-A077-840E4A0F3F06}" type="datetimeFigureOut">
               <a:rPr lang="en-US"/>
-              <a:t>3/14/2018</a:t>
+              <a:t>3/18/2018</a:t>
             </a:fld>
             <a:endParaRPr/>
           </a:p>
@@ -1960,7 +1964,7 @@
           <a:p>
             <a:fld id="{03F41C87-7AD9-4845-A077-840E4A0F3F06}" type="datetimeFigureOut">
               <a:rPr lang="en-US"/>
-              <a:t>3/14/2018</a:t>
+              <a:t>3/18/2018</a:t>
             </a:fld>
             <a:endParaRPr/>
           </a:p>
@@ -2416,7 +2420,7 @@
           <a:p>
             <a:fld id="{03F41C87-7AD9-4845-A077-840E4A0F3F06}" type="datetimeFigureOut">
               <a:rPr lang="en-US"/>
-              <a:t>3/14/2018</a:t>
+              <a:t>3/18/2018</a:t>
             </a:fld>
             <a:endParaRPr/>
           </a:p>
@@ -2546,7 +2550,7 @@
           <a:p>
             <a:fld id="{03F41C87-7AD9-4845-A077-840E4A0F3F06}" type="datetimeFigureOut">
               <a:rPr lang="en-US"/>
-              <a:t>3/14/2018</a:t>
+              <a:t>3/18/2018</a:t>
             </a:fld>
             <a:endParaRPr/>
           </a:p>
@@ -2661,7 +2665,7 @@
           <a:p>
             <a:fld id="{03F41C87-7AD9-4845-A077-840E4A0F3F06}" type="datetimeFigureOut">
               <a:rPr lang="en-US"/>
-              <a:t>3/14/2018</a:t>
+              <a:t>3/18/2018</a:t>
             </a:fld>
             <a:endParaRPr/>
           </a:p>
@@ -2983,7 +2987,7 @@
           <a:p>
             <a:fld id="{03F41C87-7AD9-4845-A077-840E4A0F3F06}" type="datetimeFigureOut">
               <a:rPr lang="en-US"/>
-              <a:t>3/14/2018</a:t>
+              <a:t>3/18/2018</a:t>
             </a:fld>
             <a:endParaRPr/>
           </a:p>
@@ -3295,7 +3299,7 @@
             <a:fld id="{03F41C87-7AD9-4845-A077-840E4A0F3F06}" type="datetimeFigureOut">
               <a:rPr lang="en-US"/>
               <a:pPr/>
-              <a:t>3/14/2018</a:t>
+              <a:t>3/18/2018</a:t>
             </a:fld>
             <a:endParaRPr/>
           </a:p>
@@ -3549,7 +3553,7 @@
             <a:fld id="{03F41C87-7AD9-4845-A077-840E4A0F3F06}" type="datetimeFigureOut">
               <a:rPr lang="en-US" smtClean="0"/>
               <a:pPr/>
-              <a:t>3/14/2018</a:t>
+              <a:t>3/18/2018</a:t>
             </a:fld>
             <a:endParaRPr lang="en-US"/>
           </a:p>
@@ -4014,6 +4018,465 @@
     <p:extLst>
       <p:ext uri="{BB962C8B-B14F-4D97-AF65-F5344CB8AC3E}">
         <p14:creationId xmlns:p14="http://schemas.microsoft.com/office/powerpoint/2010/main" val="2808920126"/>
+      </p:ext>
+    </p:extLst>
+  </p:cSld>
+  <p:clrMapOvr>
+    <a:masterClrMapping/>
+  </p:clrMapOvr>
+  <mc:AlternateContent xmlns:mc="http://schemas.openxmlformats.org/markup-compatibility/2006" xmlns:p14="http://schemas.microsoft.com/office/powerpoint/2010/main">
+    <mc:Choice Requires="p14">
+      <p:transition spd="med" p14:dur="700">
+        <p:fade/>
+      </p:transition>
+    </mc:Choice>
+    <mc:Fallback xmlns="">
+      <p:transition spd="med">
+        <p:fade/>
+      </p:transition>
+    </mc:Fallback>
+  </mc:AlternateContent>
+</p:sld>
+</file>
+
+<file path=ppt/slides/slide2.xml><?xml version="1.0" encoding="utf-8"?>
+<p:sld xmlns:a="http://schemas.openxmlformats.org/drawingml/2006/main" xmlns:r="http://schemas.openxmlformats.org/officeDocument/2006/relationships" xmlns:p="http://schemas.openxmlformats.org/presentationml/2006/main">
+  <p:cSld>
+    <p:spTree>
+      <p:nvGrpSpPr>
+        <p:cNvPr id="1" name=""/>
+        <p:cNvGrpSpPr/>
+        <p:nvPr/>
+      </p:nvGrpSpPr>
+      <p:grpSpPr>
+        <a:xfrm>
+          <a:off x="0" y="0"/>
+          <a:ext cx="0" cy="0"/>
+          <a:chOff x="0" y="0"/>
+          <a:chExt cx="0" cy="0"/>
+        </a:xfrm>
+      </p:grpSpPr>
+      <p:sp>
+        <p:nvSpPr>
+          <p:cNvPr id="2" name="Title 1"/>
+          <p:cNvSpPr>
+            <a:spLocks noGrp="1"/>
+          </p:cNvSpPr>
+          <p:nvPr>
+            <p:ph type="title"/>
+          </p:nvPr>
+        </p:nvSpPr>
+        <p:spPr/>
+        <p:txBody>
+          <a:bodyPr/>
+          <a:lstStyle/>
+          <a:p>
+            <a:r>
+              <a:rPr lang="en-US" dirty="0" smtClean="0"/>
+              <a:t>Stacks</a:t>
+            </a:r>
+            <a:endParaRPr lang="en-US" dirty="0"/>
+          </a:p>
+        </p:txBody>
+      </p:sp>
+      <p:sp>
+        <p:nvSpPr>
+          <p:cNvPr id="3" name="Content Placeholder 2"/>
+          <p:cNvSpPr>
+            <a:spLocks noGrp="1"/>
+          </p:cNvSpPr>
+          <p:nvPr>
+            <p:ph idx="1"/>
+          </p:nvPr>
+        </p:nvSpPr>
+        <p:spPr/>
+        <p:txBody>
+          <a:bodyPr/>
+          <a:lstStyle/>
+          <a:p>
+            <a:r>
+              <a:rPr lang="en-US" dirty="0" smtClean="0"/>
+              <a:t>As a data structure</a:t>
+            </a:r>
+          </a:p>
+          <a:p>
+            <a:pPr lvl="1"/>
+            <a:r>
+              <a:rPr lang="en-US" dirty="0" smtClean="0"/>
+              <a:t>FIFO</a:t>
+            </a:r>
+          </a:p>
+          <a:p>
+            <a:pPr lvl="1"/>
+            <a:r>
+              <a:rPr lang="en-US" dirty="0" smtClean="0"/>
+              <a:t>PUSH / POP</a:t>
+            </a:r>
+          </a:p>
+          <a:p>
+            <a:r>
+              <a:rPr lang="en-US" dirty="0" smtClean="0"/>
+              <a:t>As an instruction-cycle abstraction</a:t>
+            </a:r>
+          </a:p>
+          <a:p>
+            <a:pPr lvl="1"/>
+            <a:r>
+              <a:rPr lang="en-US" dirty="0" smtClean="0"/>
+              <a:t>Instruction Pointer</a:t>
+            </a:r>
+          </a:p>
+          <a:p>
+            <a:pPr lvl="1"/>
+            <a:r>
+              <a:rPr lang="en-US" dirty="0" smtClean="0"/>
+              <a:t>Scoped variables</a:t>
+            </a:r>
+          </a:p>
+          <a:p>
+            <a:pPr lvl="2"/>
+            <a:r>
+              <a:rPr lang="en-US" dirty="0" smtClean="0"/>
+              <a:t>How can we scope the use of memory segments?  Registers?</a:t>
+            </a:r>
+            <a:endParaRPr lang="en-US" dirty="0"/>
+          </a:p>
+        </p:txBody>
+      </p:sp>
+    </p:spTree>
+    <p:extLst>
+      <p:ext uri="{BB962C8B-B14F-4D97-AF65-F5344CB8AC3E}">
+        <p14:creationId xmlns:p14="http://schemas.microsoft.com/office/powerpoint/2010/main" val="859860822"/>
+      </p:ext>
+    </p:extLst>
+  </p:cSld>
+  <p:clrMapOvr>
+    <a:masterClrMapping/>
+  </p:clrMapOvr>
+  <mc:AlternateContent xmlns:mc="http://schemas.openxmlformats.org/markup-compatibility/2006" xmlns:p14="http://schemas.microsoft.com/office/powerpoint/2010/main">
+    <mc:Choice Requires="p14">
+      <p:transition spd="med" p14:dur="700">
+        <p:fade/>
+      </p:transition>
+    </mc:Choice>
+    <mc:Fallback xmlns="">
+      <p:transition spd="med">
+        <p:fade/>
+      </p:transition>
+    </mc:Fallback>
+  </mc:AlternateContent>
+</p:sld>
+</file>
+
+<file path=ppt/slides/slide3.xml><?xml version="1.0" encoding="utf-8"?>
+<p:sld xmlns:a="http://schemas.openxmlformats.org/drawingml/2006/main" xmlns:r="http://schemas.openxmlformats.org/officeDocument/2006/relationships" xmlns:p="http://schemas.openxmlformats.org/presentationml/2006/main">
+  <p:cSld>
+    <p:spTree>
+      <p:nvGrpSpPr>
+        <p:cNvPr id="1" name=""/>
+        <p:cNvGrpSpPr/>
+        <p:nvPr/>
+      </p:nvGrpSpPr>
+      <p:grpSpPr>
+        <a:xfrm>
+          <a:off x="0" y="0"/>
+          <a:ext cx="0" cy="0"/>
+          <a:chOff x="0" y="0"/>
+          <a:chExt cx="0" cy="0"/>
+        </a:xfrm>
+      </p:grpSpPr>
+      <p:sp>
+        <p:nvSpPr>
+          <p:cNvPr id="2" name="Title 1"/>
+          <p:cNvSpPr>
+            <a:spLocks noGrp="1"/>
+          </p:cNvSpPr>
+          <p:nvPr>
+            <p:ph type="title"/>
+          </p:nvPr>
+        </p:nvSpPr>
+        <p:spPr/>
+        <p:txBody>
+          <a:bodyPr/>
+          <a:lstStyle/>
+          <a:p>
+            <a:r>
+              <a:rPr lang="en-US" dirty="0" smtClean="0"/>
+              <a:t>Procedures</a:t>
+            </a:r>
+            <a:endParaRPr lang="en-US" dirty="0"/>
+          </a:p>
+        </p:txBody>
+      </p:sp>
+      <p:sp>
+        <p:nvSpPr>
+          <p:cNvPr id="3" name="Content Placeholder 2"/>
+          <p:cNvSpPr>
+            <a:spLocks noGrp="1"/>
+          </p:cNvSpPr>
+          <p:nvPr>
+            <p:ph idx="1"/>
+          </p:nvPr>
+        </p:nvSpPr>
+        <p:spPr/>
+        <p:txBody>
+          <a:bodyPr/>
+          <a:lstStyle/>
+          <a:p>
+            <a:r>
+              <a:rPr lang="en-US" dirty="0" smtClean="0"/>
+              <a:t>Uses?</a:t>
+            </a:r>
+          </a:p>
+          <a:p>
+            <a:r>
+              <a:rPr lang="en-US" dirty="0" smtClean="0"/>
+              <a:t>What is the inherent problem in trying to get a computer to execute a subroutine (multitask)?</a:t>
+            </a:r>
+          </a:p>
+          <a:p>
+            <a:pPr lvl="1"/>
+            <a:r>
+              <a:rPr lang="en-US" dirty="0" smtClean="0"/>
+              <a:t>Imagine you had a very short memory span and you tried to execute a subroutine</a:t>
+            </a:r>
+          </a:p>
+          <a:p>
+            <a:r>
+              <a:rPr lang="en-US" dirty="0" smtClean="0"/>
+              <a:t>Where &amp; What</a:t>
+            </a:r>
+          </a:p>
+          <a:p>
+            <a:pPr lvl="1"/>
+            <a:r>
+              <a:rPr lang="en-US" dirty="0" smtClean="0"/>
+              <a:t>Where -&gt; instruction pointer</a:t>
+            </a:r>
+          </a:p>
+          <a:p>
+            <a:pPr lvl="1"/>
+            <a:r>
+              <a:rPr lang="en-US" dirty="0" smtClean="0"/>
+              <a:t>What -&gt; variables on the call stack</a:t>
+            </a:r>
+          </a:p>
+          <a:p>
+            <a:endParaRPr lang="en-US" dirty="0"/>
+          </a:p>
+        </p:txBody>
+      </p:sp>
+    </p:spTree>
+    <p:extLst>
+      <p:ext uri="{BB962C8B-B14F-4D97-AF65-F5344CB8AC3E}">
+        <p14:creationId xmlns:p14="http://schemas.microsoft.com/office/powerpoint/2010/main" val="2570444618"/>
+      </p:ext>
+    </p:extLst>
+  </p:cSld>
+  <p:clrMapOvr>
+    <a:masterClrMapping/>
+  </p:clrMapOvr>
+  <mc:AlternateContent xmlns:mc="http://schemas.openxmlformats.org/markup-compatibility/2006" xmlns:p14="http://schemas.microsoft.com/office/powerpoint/2010/main">
+    <mc:Choice Requires="p14">
+      <p:transition spd="med" p14:dur="700">
+        <p:fade/>
+      </p:transition>
+    </mc:Choice>
+    <mc:Fallback xmlns="">
+      <p:transition spd="med">
+        <p:fade/>
+      </p:transition>
+    </mc:Fallback>
+  </mc:AlternateContent>
+</p:sld>
+</file>
+
+<file path=ppt/slides/slide4.xml><?xml version="1.0" encoding="utf-8"?>
+<p:sld xmlns:a="http://schemas.openxmlformats.org/drawingml/2006/main" xmlns:r="http://schemas.openxmlformats.org/officeDocument/2006/relationships" xmlns:p="http://schemas.openxmlformats.org/presentationml/2006/main">
+  <p:cSld>
+    <p:spTree>
+      <p:nvGrpSpPr>
+        <p:cNvPr id="1" name=""/>
+        <p:cNvGrpSpPr/>
+        <p:nvPr/>
+      </p:nvGrpSpPr>
+      <p:grpSpPr>
+        <a:xfrm>
+          <a:off x="0" y="0"/>
+          <a:ext cx="0" cy="0"/>
+          <a:chOff x="0" y="0"/>
+          <a:chExt cx="0" cy="0"/>
+        </a:xfrm>
+      </p:grpSpPr>
+      <p:sp>
+        <p:nvSpPr>
+          <p:cNvPr id="2" name="Title 1"/>
+          <p:cNvSpPr>
+            <a:spLocks noGrp="1"/>
+          </p:cNvSpPr>
+          <p:nvPr>
+            <p:ph type="title"/>
+          </p:nvPr>
+        </p:nvSpPr>
+        <p:spPr/>
+        <p:txBody>
+          <a:bodyPr/>
+          <a:lstStyle/>
+          <a:p>
+            <a:r>
+              <a:rPr lang="en-US" dirty="0" smtClean="0"/>
+              <a:t>Procedure Syntax</a:t>
+            </a:r>
+            <a:endParaRPr lang="en-US" dirty="0"/>
+          </a:p>
+        </p:txBody>
+      </p:sp>
+      <p:sp>
+        <p:nvSpPr>
+          <p:cNvPr id="3" name="Content Placeholder 2"/>
+          <p:cNvSpPr>
+            <a:spLocks noGrp="1"/>
+          </p:cNvSpPr>
+          <p:nvPr>
+            <p:ph idx="1"/>
+          </p:nvPr>
+        </p:nvSpPr>
+        <p:spPr/>
+        <p:txBody>
+          <a:bodyPr/>
+          <a:lstStyle/>
+          <a:p>
+            <a:r>
+              <a:rPr lang="en-US" dirty="0" smtClean="0"/>
+              <a:t>Define: PROC / END</a:t>
+            </a:r>
+          </a:p>
+          <a:p>
+            <a:r>
+              <a:rPr lang="en-US" dirty="0" smtClean="0"/>
+              <a:t>Execute: CALL / RET</a:t>
+            </a:r>
+          </a:p>
+          <a:p>
+            <a:r>
+              <a:rPr lang="en-US" dirty="0" smtClean="0"/>
+              <a:t>Example: </a:t>
+            </a:r>
+          </a:p>
+          <a:p>
+            <a:pPr lvl="1"/>
+            <a:r>
+              <a:rPr lang="en-US" dirty="0" smtClean="0"/>
+              <a:t>Demo</a:t>
+            </a:r>
+          </a:p>
+          <a:p>
+            <a:endParaRPr lang="en-US" dirty="0"/>
+          </a:p>
+        </p:txBody>
+      </p:sp>
+    </p:spTree>
+    <p:extLst>
+      <p:ext uri="{BB962C8B-B14F-4D97-AF65-F5344CB8AC3E}">
+        <p14:creationId xmlns:p14="http://schemas.microsoft.com/office/powerpoint/2010/main" val="2482508137"/>
+      </p:ext>
+    </p:extLst>
+  </p:cSld>
+  <p:clrMapOvr>
+    <a:masterClrMapping/>
+  </p:clrMapOvr>
+  <mc:AlternateContent xmlns:mc="http://schemas.openxmlformats.org/markup-compatibility/2006" xmlns:p14="http://schemas.microsoft.com/office/powerpoint/2010/main">
+    <mc:Choice Requires="p14">
+      <p:transition spd="med" p14:dur="700">
+        <p:fade/>
+      </p:transition>
+    </mc:Choice>
+    <mc:Fallback xmlns="">
+      <p:transition spd="med">
+        <p:fade/>
+      </p:transition>
+    </mc:Fallback>
+  </mc:AlternateContent>
+</p:sld>
+</file>
+
+<file path=ppt/slides/slide5.xml><?xml version="1.0" encoding="utf-8"?>
+<p:sld xmlns:a="http://schemas.openxmlformats.org/drawingml/2006/main" xmlns:r="http://schemas.openxmlformats.org/officeDocument/2006/relationships" xmlns:p="http://schemas.openxmlformats.org/presentationml/2006/main">
+  <p:cSld>
+    <p:spTree>
+      <p:nvGrpSpPr>
+        <p:cNvPr id="1" name=""/>
+        <p:cNvGrpSpPr/>
+        <p:nvPr/>
+      </p:nvGrpSpPr>
+      <p:grpSpPr>
+        <a:xfrm>
+          <a:off x="0" y="0"/>
+          <a:ext cx="0" cy="0"/>
+          <a:chOff x="0" y="0"/>
+          <a:chExt cx="0" cy="0"/>
+        </a:xfrm>
+      </p:grpSpPr>
+      <p:sp>
+        <p:nvSpPr>
+          <p:cNvPr id="2" name="Title 1"/>
+          <p:cNvSpPr>
+            <a:spLocks noGrp="1"/>
+          </p:cNvSpPr>
+          <p:nvPr>
+            <p:ph type="title"/>
+          </p:nvPr>
+        </p:nvSpPr>
+        <p:spPr/>
+        <p:txBody>
+          <a:bodyPr/>
+          <a:lstStyle/>
+          <a:p>
+            <a:r>
+              <a:rPr lang="en-US" dirty="0" smtClean="0"/>
+              <a:t>What about the Irvine64 library?</a:t>
+            </a:r>
+            <a:endParaRPr lang="en-US" dirty="0"/>
+          </a:p>
+        </p:txBody>
+      </p:sp>
+      <p:sp>
+        <p:nvSpPr>
+          <p:cNvPr id="3" name="Content Placeholder 2"/>
+          <p:cNvSpPr>
+            <a:spLocks noGrp="1"/>
+          </p:cNvSpPr>
+          <p:nvPr>
+            <p:ph idx="1"/>
+          </p:nvPr>
+        </p:nvSpPr>
+        <p:spPr/>
+        <p:txBody>
+          <a:bodyPr/>
+          <a:lstStyle/>
+          <a:p>
+            <a:r>
+              <a:rPr lang="en-US" dirty="0" smtClean="0"/>
+              <a:t>External library of functions</a:t>
+            </a:r>
+          </a:p>
+          <a:p>
+            <a:r>
+              <a:rPr lang="en-US" dirty="0" smtClean="0"/>
+              <a:t>Skim over it.  Good to know what it can do but not necessary </a:t>
+            </a:r>
+            <a:r>
+              <a:rPr lang="en-US" smtClean="0"/>
+              <a:t>to memorize</a:t>
+            </a:r>
+            <a:endParaRPr lang="en-US"/>
+          </a:p>
+        </p:txBody>
+      </p:sp>
+    </p:spTree>
+    <p:extLst>
+      <p:ext uri="{BB962C8B-B14F-4D97-AF65-F5344CB8AC3E}">
+        <p14:creationId xmlns:p14="http://schemas.microsoft.com/office/powerpoint/2010/main" val="2728204737"/>
       </p:ext>
     </p:extLst>
   </p:cSld>
